--- a/papers/report 12 12.pptx
+++ b/papers/report 12 12.pptx
@@ -13,11 +13,13 @@
     <p:sldId id="290" r:id="rId7"/>
     <p:sldId id="291" r:id="rId8"/>
     <p:sldId id="300" r:id="rId9"/>
-    <p:sldId id="292" r:id="rId10"/>
-    <p:sldId id="313" r:id="rId11"/>
-    <p:sldId id="314" r:id="rId12"/>
-    <p:sldId id="315" r:id="rId13"/>
-    <p:sldId id="274" r:id="rId14"/>
+    <p:sldId id="316" r:id="rId10"/>
+    <p:sldId id="317" r:id="rId11"/>
+    <p:sldId id="292" r:id="rId12"/>
+    <p:sldId id="313" r:id="rId13"/>
+    <p:sldId id="314" r:id="rId14"/>
+    <p:sldId id="315" r:id="rId15"/>
+    <p:sldId id="274" r:id="rId16"/>
   </p:sldIdLst>
   <p:sldSz cx="9144000" cy="6858000" type="screen4x3"/>
   <p:notesSz cx="6858000" cy="9144000"/>
@@ -2568,17 +2570,7 @@
                 <a:latin typeface="Adobe Garamond Pro" charset="0"/>
                 <a:ea typeface="宋体" panose="02010600030101010101" pitchFamily="2" charset="-122"/>
               </a:rPr>
-              <a:t>12/11 </a:t>
-            </a:r>
-            <a:r>
-              <a:rPr lang="en-US" altLang="zh-CN" sz="3600" dirty="0" smtClean="0">
-                <a:solidFill>
-                  <a:schemeClr val="bg1"/>
-                </a:solidFill>
-                <a:latin typeface="Adobe Garamond Pro" charset="0"/>
-                <a:ea typeface="宋体" panose="02010600030101010101" pitchFamily="2" charset="-122"/>
-              </a:rPr>
-              <a:t>Report</a:t>
+              <a:t>12/11 Report</a:t>
             </a:r>
           </a:p>
           <a:p>
@@ -2632,39 +2624,9 @@
           <a:chExt cx="0" cy="0"/>
         </a:xfrm>
       </p:grpSpPr>
-      <p:sp>
-        <p:nvSpPr>
-          <p:cNvPr id="6" name="文本框 5"/>
-          <p:cNvSpPr txBox="1"/>
-          <p:nvPr/>
-        </p:nvSpPr>
-        <p:spPr>
-          <a:xfrm>
-            <a:off x="1115616" y="620688"/>
-            <a:ext cx="5104259" cy="830997"/>
-          </a:xfrm>
-          <a:prstGeom prst="rect">
-            <a:avLst/>
-          </a:prstGeom>
-          <a:noFill/>
-        </p:spPr>
-        <p:txBody>
-          <a:bodyPr wrap="square" rtlCol="0">
-            <a:spAutoFit/>
-          </a:bodyPr>
-          <a:lstStyle/>
-          <a:p>
-            <a:r>
-              <a:rPr lang="en-US" dirty="0" smtClean="0"/>
-              <a:t>Page in AIMMS to compare # of outliers in different methods</a:t>
-            </a:r>
-            <a:endParaRPr lang="en-US" dirty="0"/>
-          </a:p>
-        </p:txBody>
-      </p:sp>
       <p:pic>
         <p:nvPicPr>
-          <p:cNvPr id="4" name="图片 3"/>
+          <p:cNvPr id="2" name="图片 1"/>
           <p:cNvPicPr>
             <a:picLocks noChangeAspect="1"/>
           </p:cNvPicPr>
@@ -2678,17 +2640,98 @@
         </p:blipFill>
         <p:spPr>
           <a:xfrm>
-            <a:off x="6804248" y="3068960"/>
-            <a:ext cx="1323975" cy="847725"/>
+            <a:off x="179512" y="980728"/>
+            <a:ext cx="1123950" cy="2619375"/>
           </a:xfrm>
           <a:prstGeom prst="rect">
             <a:avLst/>
           </a:prstGeom>
         </p:spPr>
       </p:pic>
+      <p:sp>
+        <p:nvSpPr>
+          <p:cNvPr id="4" name="文本框 3"/>
+          <p:cNvSpPr txBox="1"/>
+          <p:nvPr/>
+        </p:nvSpPr>
+        <p:spPr>
+          <a:xfrm>
+            <a:off x="5148064" y="692696"/>
+            <a:ext cx="3755623" cy="830997"/>
+          </a:xfrm>
+          <a:prstGeom prst="rect">
+            <a:avLst/>
+          </a:prstGeom>
+          <a:noFill/>
+        </p:spPr>
+        <p:txBody>
+          <a:bodyPr wrap="square" rtlCol="0">
+            <a:spAutoFit/>
+          </a:bodyPr>
+          <a:lstStyle/>
+          <a:p>
+            <a:r>
+              <a:rPr lang="en-US" dirty="0" smtClean="0"/>
+              <a:t>Method3</a:t>
+            </a:r>
+          </a:p>
+          <a:p>
+            <a:r>
+              <a:rPr lang="en-US" dirty="0" smtClean="0"/>
+              <a:t>3 iterations</a:t>
+            </a:r>
+            <a:endParaRPr lang="en-US" dirty="0" smtClean="0"/>
+          </a:p>
+        </p:txBody>
+      </p:sp>
+      <p:sp>
+        <p:nvSpPr>
+          <p:cNvPr id="7" name="文本框 6"/>
+          <p:cNvSpPr txBox="1"/>
+          <p:nvPr/>
+        </p:nvSpPr>
+        <p:spPr>
+          <a:xfrm>
+            <a:off x="1547664" y="770851"/>
+            <a:ext cx="3755623" cy="830997"/>
+          </a:xfrm>
+          <a:prstGeom prst="rect">
+            <a:avLst/>
+          </a:prstGeom>
+          <a:noFill/>
+        </p:spPr>
+        <p:txBody>
+          <a:bodyPr wrap="square" rtlCol="0">
+            <a:spAutoFit/>
+          </a:bodyPr>
+          <a:lstStyle/>
+          <a:p>
+            <a:r>
+              <a:rPr lang="en-US" dirty="0"/>
+              <a:t>Method </a:t>
+            </a:r>
+            <a:r>
+              <a:rPr lang="en-US" dirty="0" smtClean="0"/>
+              <a:t>2</a:t>
+            </a:r>
+            <a:endParaRPr lang="en-US" altLang="zh-CN" dirty="0" smtClean="0"/>
+          </a:p>
+          <a:p>
+            <a:r>
+              <a:rPr lang="en-US" altLang="zh-CN" dirty="0" smtClean="0"/>
+              <a:t>3 </a:t>
+            </a:r>
+            <a:r>
+              <a:rPr lang="en-US" dirty="0" smtClean="0"/>
+              <a:t>iterations </a:t>
+            </a:r>
+            <a:endParaRPr lang="en-US" dirty="0"/>
+          </a:p>
+        </p:txBody>
+      </p:sp>
       <p:pic>
         <p:nvPicPr>
-          <p:cNvPr id="9" name="图片 8"/>
+          <p:cNvPr id="12" name="图片 11"/>
           <p:cNvPicPr>
             <a:picLocks noChangeAspect="1"/>
           </p:cNvPicPr>
@@ -2702,55 +2745,90 @@
         </p:blipFill>
         <p:spPr>
           <a:xfrm>
-            <a:off x="986457" y="1859284"/>
-            <a:ext cx="5362575" cy="3267075"/>
+            <a:off x="8055282" y="-12389"/>
+            <a:ext cx="1276350" cy="2895600"/>
           </a:xfrm>
           <a:prstGeom prst="rect">
             <a:avLst/>
           </a:prstGeom>
         </p:spPr>
       </p:pic>
-      <p:sp>
-        <p:nvSpPr>
-          <p:cNvPr id="10" name="文本框 9"/>
-          <p:cNvSpPr txBox="1"/>
-          <p:nvPr/>
-        </p:nvSpPr>
+      <p:pic>
+        <p:nvPicPr>
+          <p:cNvPr id="5" name="图片 4"/>
+          <p:cNvPicPr>
+            <a:picLocks noChangeAspect="1"/>
+          </p:cNvPicPr>
+          <p:nvPr/>
+        </p:nvPicPr>
+        <p:blipFill>
+          <a:blip r:embed="rId4"/>
+          <a:stretch>
+            <a:fillRect/>
+          </a:stretch>
+        </p:blipFill>
         <p:spPr>
           <a:xfrm>
-            <a:off x="827584" y="5445224"/>
-            <a:ext cx="6192688" cy="461665"/>
+            <a:off x="8069733" y="2986574"/>
+            <a:ext cx="1400175" cy="2914650"/>
           </a:xfrm>
           <a:prstGeom prst="rect">
             <a:avLst/>
           </a:prstGeom>
-          <a:noFill/>
-        </p:spPr>
-        <p:txBody>
-          <a:bodyPr wrap="square" rtlCol="0">
-            <a:spAutoFit/>
-          </a:bodyPr>
-          <a:lstStyle/>
-          <a:p>
-            <a:r>
-              <a:rPr lang="en-US" dirty="0"/>
-              <a:t>3</a:t>
-            </a:r>
-            <a:r>
-              <a:rPr lang="en-US" dirty="0" smtClean="0"/>
-              <a:t> Iteration </a:t>
-            </a:r>
-            <a:r>
-              <a:rPr lang="en-US" dirty="0"/>
-              <a:t>with Epsilon / MAX Epsilon=0.5</a:t>
-            </a:r>
-          </a:p>
-        </p:txBody>
-      </p:sp>
+        </p:spPr>
+      </p:pic>
+      <p:pic>
+        <p:nvPicPr>
+          <p:cNvPr id="11" name="图片 10"/>
+          <p:cNvPicPr>
+            <a:picLocks noChangeAspect="1"/>
+          </p:cNvPicPr>
+          <p:nvPr/>
+        </p:nvPicPr>
+        <p:blipFill>
+          <a:blip r:embed="rId5"/>
+          <a:stretch>
+            <a:fillRect/>
+          </a:stretch>
+        </p:blipFill>
+        <p:spPr>
+          <a:xfrm>
+            <a:off x="4411643" y="1617199"/>
+            <a:ext cx="3635723" cy="3700009"/>
+          </a:xfrm>
+          <a:prstGeom prst="rect">
+            <a:avLst/>
+          </a:prstGeom>
+        </p:spPr>
+      </p:pic>
+      <p:pic>
+        <p:nvPicPr>
+          <p:cNvPr id="3" name="图片 2"/>
+          <p:cNvPicPr>
+            <a:picLocks noChangeAspect="1"/>
+          </p:cNvPicPr>
+          <p:nvPr/>
+        </p:nvPicPr>
+        <p:blipFill>
+          <a:blip r:embed="rId6"/>
+          <a:stretch>
+            <a:fillRect/>
+          </a:stretch>
+        </p:blipFill>
+        <p:spPr>
+          <a:xfrm>
+            <a:off x="805674" y="1646382"/>
+            <a:ext cx="3594786" cy="3727152"/>
+          </a:xfrm>
+          <a:prstGeom prst="rect">
+            <a:avLst/>
+          </a:prstGeom>
+        </p:spPr>
+      </p:pic>
     </p:spTree>
     <p:extLst>
       <p:ext uri="{BB962C8B-B14F-4D97-AF65-F5344CB8AC3E}">
-        <p14:creationId xmlns:p14="http://schemas.microsoft.com/office/powerpoint/2010/main" val="4089540198"/>
+        <p14:creationId xmlns:p14="http://schemas.microsoft.com/office/powerpoint/2010/main" val="1238039675"/>
       </p:ext>
     </p:extLst>
   </p:cSld>
@@ -2793,7 +2871,7 @@
         <p:spPr>
           <a:xfrm>
             <a:off x="1115616" y="620688"/>
-            <a:ext cx="5104259" cy="830997"/>
+            <a:ext cx="5104259" cy="1200329"/>
           </a:xfrm>
           <a:prstGeom prst="rect">
             <a:avLst/>
@@ -2810,6 +2888,8 @@
               <a:rPr lang="en-US" dirty="0" smtClean="0"/>
               <a:t>Page in AIMMS to compare # of outliers in different methods</a:t>
             </a:r>
+          </a:p>
+          <a:p>
             <a:endParaRPr lang="en-US" dirty="0"/>
           </a:p>
         </p:txBody>
@@ -2830,8 +2910,8 @@
         </p:blipFill>
         <p:spPr>
           <a:xfrm>
-            <a:off x="1115616" y="1994190"/>
-            <a:ext cx="5286375" cy="3209925"/>
+            <a:off x="774985" y="1926927"/>
+            <a:ext cx="5438775" cy="3362325"/>
           </a:xfrm>
           <a:prstGeom prst="rect">
             <a:avLst/>
@@ -2854,8 +2934,8 @@
         </p:blipFill>
         <p:spPr>
           <a:xfrm>
-            <a:off x="6804248" y="3068960"/>
-            <a:ext cx="1323975" cy="847725"/>
+            <a:off x="6732240" y="3198514"/>
+            <a:ext cx="1285875" cy="819150"/>
           </a:xfrm>
           <a:prstGeom prst="rect">
             <a:avLst/>
@@ -2864,14 +2944,14 @@
       </p:pic>
       <p:sp>
         <p:nvSpPr>
-          <p:cNvPr id="10" name="文本框 9"/>
+          <p:cNvPr id="11" name="文本框 10"/>
           <p:cNvSpPr txBox="1"/>
           <p:nvPr/>
         </p:nvSpPr>
         <p:spPr>
           <a:xfrm>
             <a:off x="827584" y="5445224"/>
-            <a:ext cx="6120680" cy="461665"/>
+            <a:ext cx="6480720" cy="461665"/>
           </a:xfrm>
           <a:prstGeom prst="rect">
             <a:avLst/>
@@ -2885,20 +2965,29 @@
           <a:lstStyle/>
           <a:p>
             <a:r>
+              <a:rPr lang="en-US" dirty="0"/>
+              <a:t>1</a:t>
+            </a:r>
+            <a:r>
               <a:rPr lang="en-US" dirty="0" smtClean="0"/>
-              <a:t>5 Iteration </a:t>
+              <a:t> Iteration </a:t>
             </a:r>
             <a:r>
               <a:rPr lang="en-US" dirty="0"/>
-              <a:t>with Epsilon / MAX Epsilon=0.5</a:t>
-            </a:r>
+              <a:t>with Epsilon / MAX </a:t>
+            </a:r>
+            <a:r>
+              <a:rPr lang="en-US" dirty="0" smtClean="0"/>
+              <a:t>Epsilon=0.5</a:t>
+            </a:r>
+            <a:endParaRPr lang="en-US" dirty="0"/>
           </a:p>
         </p:txBody>
       </p:sp>
     </p:spTree>
     <p:extLst>
       <p:ext uri="{BB962C8B-B14F-4D97-AF65-F5344CB8AC3E}">
-        <p14:creationId xmlns:p14="http://schemas.microsoft.com/office/powerpoint/2010/main" val="2324267535"/>
+        <p14:creationId xmlns:p14="http://schemas.microsoft.com/office/powerpoint/2010/main" val="2739249099"/>
       </p:ext>
     </p:extLst>
   </p:cSld>
@@ -2941,6 +3030,306 @@
         <p:spPr>
           <a:xfrm>
             <a:off x="1115616" y="620688"/>
+            <a:ext cx="5104259" cy="830997"/>
+          </a:xfrm>
+          <a:prstGeom prst="rect">
+            <a:avLst/>
+          </a:prstGeom>
+          <a:noFill/>
+        </p:spPr>
+        <p:txBody>
+          <a:bodyPr wrap="square" rtlCol="0">
+            <a:spAutoFit/>
+          </a:bodyPr>
+          <a:lstStyle/>
+          <a:p>
+            <a:r>
+              <a:rPr lang="en-US" dirty="0" smtClean="0"/>
+              <a:t>Page in AIMMS to compare # of outliers in different methods</a:t>
+            </a:r>
+            <a:endParaRPr lang="en-US" dirty="0"/>
+          </a:p>
+        </p:txBody>
+      </p:sp>
+      <p:pic>
+        <p:nvPicPr>
+          <p:cNvPr id="4" name="图片 3"/>
+          <p:cNvPicPr>
+            <a:picLocks noChangeAspect="1"/>
+          </p:cNvPicPr>
+          <p:nvPr/>
+        </p:nvPicPr>
+        <p:blipFill>
+          <a:blip r:embed="rId2"/>
+          <a:stretch>
+            <a:fillRect/>
+          </a:stretch>
+        </p:blipFill>
+        <p:spPr>
+          <a:xfrm>
+            <a:off x="6804248" y="3068960"/>
+            <a:ext cx="1323975" cy="847725"/>
+          </a:xfrm>
+          <a:prstGeom prst="rect">
+            <a:avLst/>
+          </a:prstGeom>
+        </p:spPr>
+      </p:pic>
+      <p:pic>
+        <p:nvPicPr>
+          <p:cNvPr id="9" name="图片 8"/>
+          <p:cNvPicPr>
+            <a:picLocks noChangeAspect="1"/>
+          </p:cNvPicPr>
+          <p:nvPr/>
+        </p:nvPicPr>
+        <p:blipFill>
+          <a:blip r:embed="rId3"/>
+          <a:stretch>
+            <a:fillRect/>
+          </a:stretch>
+        </p:blipFill>
+        <p:spPr>
+          <a:xfrm>
+            <a:off x="986457" y="1859284"/>
+            <a:ext cx="5362575" cy="3267075"/>
+          </a:xfrm>
+          <a:prstGeom prst="rect">
+            <a:avLst/>
+          </a:prstGeom>
+        </p:spPr>
+      </p:pic>
+      <p:sp>
+        <p:nvSpPr>
+          <p:cNvPr id="10" name="文本框 9"/>
+          <p:cNvSpPr txBox="1"/>
+          <p:nvPr/>
+        </p:nvSpPr>
+        <p:spPr>
+          <a:xfrm>
+            <a:off x="827584" y="5445224"/>
+            <a:ext cx="6192688" cy="461665"/>
+          </a:xfrm>
+          <a:prstGeom prst="rect">
+            <a:avLst/>
+          </a:prstGeom>
+          <a:noFill/>
+        </p:spPr>
+        <p:txBody>
+          <a:bodyPr wrap="square" rtlCol="0">
+            <a:spAutoFit/>
+          </a:bodyPr>
+          <a:lstStyle/>
+          <a:p>
+            <a:r>
+              <a:rPr lang="en-US" dirty="0"/>
+              <a:t>3</a:t>
+            </a:r>
+            <a:r>
+              <a:rPr lang="en-US" dirty="0" smtClean="0"/>
+              <a:t> Iteration </a:t>
+            </a:r>
+            <a:r>
+              <a:rPr lang="en-US" dirty="0"/>
+              <a:t>with Epsilon / MAX Epsilon=0.5</a:t>
+            </a:r>
+          </a:p>
+        </p:txBody>
+      </p:sp>
+    </p:spTree>
+    <p:extLst>
+      <p:ext uri="{BB962C8B-B14F-4D97-AF65-F5344CB8AC3E}">
+        <p14:creationId xmlns:p14="http://schemas.microsoft.com/office/powerpoint/2010/main" val="4089540198"/>
+      </p:ext>
+    </p:extLst>
+  </p:cSld>
+  <p:clrMapOvr>
+    <a:masterClrMapping/>
+  </p:clrMapOvr>
+  <p:timing>
+    <p:tnLst>
+      <p:par>
+        <p:cTn id="1" dur="indefinite" restart="never" nodeType="tmRoot"/>
+      </p:par>
+    </p:tnLst>
+  </p:timing>
+</p:sld>
+</file>
+
+<file path=ppt/slides/slide13.xml><?xml version="1.0" encoding="utf-8"?>
+<p:sld xmlns:a="http://schemas.openxmlformats.org/drawingml/2006/main" xmlns:r="http://schemas.openxmlformats.org/officeDocument/2006/relationships" xmlns:p="http://schemas.openxmlformats.org/presentationml/2006/main">
+  <p:cSld>
+    <p:spTree>
+      <p:nvGrpSpPr>
+        <p:cNvPr id="1" name=""/>
+        <p:cNvGrpSpPr/>
+        <p:nvPr/>
+      </p:nvGrpSpPr>
+      <p:grpSpPr>
+        <a:xfrm>
+          <a:off x="0" y="0"/>
+          <a:ext cx="0" cy="0"/>
+          <a:chOff x="0" y="0"/>
+          <a:chExt cx="0" cy="0"/>
+        </a:xfrm>
+      </p:grpSpPr>
+      <p:sp>
+        <p:nvSpPr>
+          <p:cNvPr id="6" name="文本框 5"/>
+          <p:cNvSpPr txBox="1"/>
+          <p:nvPr/>
+        </p:nvSpPr>
+        <p:spPr>
+          <a:xfrm>
+            <a:off x="1115616" y="620688"/>
+            <a:ext cx="5104259" cy="830997"/>
+          </a:xfrm>
+          <a:prstGeom prst="rect">
+            <a:avLst/>
+          </a:prstGeom>
+          <a:noFill/>
+        </p:spPr>
+        <p:txBody>
+          <a:bodyPr wrap="square" rtlCol="0">
+            <a:spAutoFit/>
+          </a:bodyPr>
+          <a:lstStyle/>
+          <a:p>
+            <a:r>
+              <a:rPr lang="en-US" dirty="0" smtClean="0"/>
+              <a:t>Page in AIMMS to compare # of outliers in different methods</a:t>
+            </a:r>
+            <a:endParaRPr lang="en-US" dirty="0"/>
+          </a:p>
+        </p:txBody>
+      </p:sp>
+      <p:pic>
+        <p:nvPicPr>
+          <p:cNvPr id="8" name="图片 7"/>
+          <p:cNvPicPr>
+            <a:picLocks noChangeAspect="1"/>
+          </p:cNvPicPr>
+          <p:nvPr/>
+        </p:nvPicPr>
+        <p:blipFill>
+          <a:blip r:embed="rId2"/>
+          <a:stretch>
+            <a:fillRect/>
+          </a:stretch>
+        </p:blipFill>
+        <p:spPr>
+          <a:xfrm>
+            <a:off x="1115616" y="1994190"/>
+            <a:ext cx="5286375" cy="3209925"/>
+          </a:xfrm>
+          <a:prstGeom prst="rect">
+            <a:avLst/>
+          </a:prstGeom>
+        </p:spPr>
+      </p:pic>
+      <p:pic>
+        <p:nvPicPr>
+          <p:cNvPr id="9" name="图片 8"/>
+          <p:cNvPicPr>
+            <a:picLocks noChangeAspect="1"/>
+          </p:cNvPicPr>
+          <p:nvPr/>
+        </p:nvPicPr>
+        <p:blipFill>
+          <a:blip r:embed="rId3"/>
+          <a:stretch>
+            <a:fillRect/>
+          </a:stretch>
+        </p:blipFill>
+        <p:spPr>
+          <a:xfrm>
+            <a:off x="6804248" y="3068960"/>
+            <a:ext cx="1323975" cy="847725"/>
+          </a:xfrm>
+          <a:prstGeom prst="rect">
+            <a:avLst/>
+          </a:prstGeom>
+        </p:spPr>
+      </p:pic>
+      <p:sp>
+        <p:nvSpPr>
+          <p:cNvPr id="10" name="文本框 9"/>
+          <p:cNvSpPr txBox="1"/>
+          <p:nvPr/>
+        </p:nvSpPr>
+        <p:spPr>
+          <a:xfrm>
+            <a:off x="827584" y="5445224"/>
+            <a:ext cx="6120680" cy="461665"/>
+          </a:xfrm>
+          <a:prstGeom prst="rect">
+            <a:avLst/>
+          </a:prstGeom>
+          <a:noFill/>
+        </p:spPr>
+        <p:txBody>
+          <a:bodyPr wrap="square" rtlCol="0">
+            <a:spAutoFit/>
+          </a:bodyPr>
+          <a:lstStyle/>
+          <a:p>
+            <a:r>
+              <a:rPr lang="en-US" dirty="0" smtClean="0"/>
+              <a:t>5 Iteration </a:t>
+            </a:r>
+            <a:r>
+              <a:rPr lang="en-US" dirty="0"/>
+              <a:t>with Epsilon / MAX Epsilon=0.5</a:t>
+            </a:r>
+          </a:p>
+        </p:txBody>
+      </p:sp>
+    </p:spTree>
+    <p:extLst>
+      <p:ext uri="{BB962C8B-B14F-4D97-AF65-F5344CB8AC3E}">
+        <p14:creationId xmlns:p14="http://schemas.microsoft.com/office/powerpoint/2010/main" val="2324267535"/>
+      </p:ext>
+    </p:extLst>
+  </p:cSld>
+  <p:clrMapOvr>
+    <a:masterClrMapping/>
+  </p:clrMapOvr>
+  <p:timing>
+    <p:tnLst>
+      <p:par>
+        <p:cTn id="1" dur="indefinite" restart="never" nodeType="tmRoot"/>
+      </p:par>
+    </p:tnLst>
+  </p:timing>
+</p:sld>
+</file>
+
+<file path=ppt/slides/slide14.xml><?xml version="1.0" encoding="utf-8"?>
+<p:sld xmlns:a="http://schemas.openxmlformats.org/drawingml/2006/main" xmlns:r="http://schemas.openxmlformats.org/officeDocument/2006/relationships" xmlns:p="http://schemas.openxmlformats.org/presentationml/2006/main">
+  <p:cSld>
+    <p:spTree>
+      <p:nvGrpSpPr>
+        <p:cNvPr id="1" name=""/>
+        <p:cNvGrpSpPr/>
+        <p:nvPr/>
+      </p:nvGrpSpPr>
+      <p:grpSpPr>
+        <a:xfrm>
+          <a:off x="0" y="0"/>
+          <a:ext cx="0" cy="0"/>
+          <a:chOff x="0" y="0"/>
+          <a:chExt cx="0" cy="0"/>
+        </a:xfrm>
+      </p:grpSpPr>
+      <p:sp>
+        <p:nvSpPr>
+          <p:cNvPr id="6" name="文本框 5"/>
+          <p:cNvSpPr txBox="1"/>
+          <p:nvPr/>
+        </p:nvSpPr>
+        <p:spPr>
+          <a:xfrm>
+            <a:off x="1115616" y="620688"/>
             <a:ext cx="5104259" cy="1200329"/>
           </a:xfrm>
           <a:prstGeom prst="rect">
@@ -3074,7 +3463,7 @@
 </p:sld>
 </file>
 
-<file path=ppt/slides/slide13.xml><?xml version="1.0" encoding="utf-8"?>
+<file path=ppt/slides/slide15.xml><?xml version="1.0" encoding="utf-8"?>
 <p:sld xmlns:a="http://schemas.openxmlformats.org/drawingml/2006/main" xmlns:r="http://schemas.openxmlformats.org/officeDocument/2006/relationships" xmlns:p="http://schemas.openxmlformats.org/presentationml/2006/main">
   <p:cSld>
     <p:spTree>
@@ -4581,20 +4970,7 @@
                 <a:effectLst/>
                 <a:latin typeface="Times" panose="02020603050405020304" pitchFamily="18" charset="0"/>
               </a:rPr>
-              <a:t>s</a:t>
-            </a:r>
-            <a:r>
-              <a:rPr kumimoji="0" lang="en-US" sz="1100" b="0" i="0" u="none" strike="noStrike" cap="none" normalizeH="0" baseline="0" dirty="0" smtClean="0">
-                <a:ln>
-                  <a:noFill/>
-                </a:ln>
-                <a:solidFill>
-                  <a:schemeClr val="tx1"/>
-                </a:solidFill>
-                <a:effectLst/>
-                <a:latin typeface="Times" panose="02020603050405020304" pitchFamily="18" charset="0"/>
-              </a:rPr>
-              <a:t>&lt;#</a:t>
+              <a:t>s&lt;#</a:t>
             </a:r>
             <a:r>
               <a:rPr kumimoji="0" lang="en-US" sz="1100" b="0" i="0" u="none" strike="noStrike" cap="none" normalizeH="0" dirty="0" smtClean="0">
@@ -4827,15 +5203,7 @@
             </a:r>
             <a:r>
               <a:rPr lang="en-US" dirty="0" smtClean="0"/>
-              <a:t>teration </a:t>
-            </a:r>
-            <a:r>
-              <a:rPr lang="en-US" dirty="0" smtClean="0"/>
-              <a:t>with putting back </a:t>
-            </a:r>
-            <a:r>
-              <a:rPr lang="en-US" dirty="0" smtClean="0"/>
-              <a:t>points</a:t>
+              <a:t>teration with putting back points</a:t>
             </a:r>
             <a:r>
               <a:rPr lang="zh-CN" altLang="en-US" dirty="0" smtClean="0"/>
@@ -5119,20 +5487,7 @@
                 <a:effectLst/>
                 <a:latin typeface="Times" panose="02020603050405020304" pitchFamily="18" charset="0"/>
               </a:rPr>
-              <a:t>utput </a:t>
-            </a:r>
-            <a:r>
-              <a:rPr kumimoji="0" lang="en-US" altLang="zh-CN" sz="1100" b="0" i="0" u="none" strike="noStrike" cap="none" normalizeH="0" baseline="0" dirty="0" smtClean="0">
-                <a:ln>
-                  <a:noFill/>
-                </a:ln>
-                <a:solidFill>
-                  <a:schemeClr val="tx1"/>
-                </a:solidFill>
-                <a:effectLst/>
-                <a:latin typeface="Times" panose="02020603050405020304" pitchFamily="18" charset="0"/>
-              </a:rPr>
-              <a:t>Data</a:t>
+              <a:t>utput Data</a:t>
             </a:r>
             <a:endParaRPr kumimoji="0" lang="en-US" sz="1100" b="0" i="0" u="none" strike="noStrike" cap="none" normalizeH="0" baseline="0" dirty="0" smtClean="0">
               <a:ln>
@@ -6415,20 +6770,7 @@
                 <a:effectLst/>
                 <a:latin typeface="Times" panose="02020603050405020304" pitchFamily="18" charset="0"/>
               </a:rPr>
-              <a:t>s</a:t>
-            </a:r>
-            <a:r>
-              <a:rPr kumimoji="0" lang="en-US" sz="1100" b="0" i="0" u="none" strike="noStrike" cap="none" normalizeH="0" baseline="0" dirty="0" smtClean="0">
-                <a:ln>
-                  <a:noFill/>
-                </a:ln>
-                <a:solidFill>
-                  <a:schemeClr val="tx1"/>
-                </a:solidFill>
-                <a:effectLst/>
-                <a:latin typeface="Times" panose="02020603050405020304" pitchFamily="18" charset="0"/>
-              </a:rPr>
-              <a:t>&lt;#</a:t>
+              <a:t>s&lt;#</a:t>
             </a:r>
             <a:r>
               <a:rPr kumimoji="0" lang="en-US" sz="1100" b="0" i="0" u="none" strike="noStrike" cap="none" normalizeH="0" dirty="0" smtClean="0">
@@ -6661,11 +7003,7 @@
             </a:r>
             <a:r>
               <a:rPr lang="en-US" dirty="0" smtClean="0"/>
-              <a:t>teration </a:t>
-            </a:r>
-            <a:r>
-              <a:rPr lang="en-US" dirty="0" smtClean="0"/>
-              <a:t>with </a:t>
+              <a:t>teration with </a:t>
             </a:r>
             <a:r>
               <a:rPr lang="en-US" dirty="0" err="1" smtClean="0"/>
@@ -6944,20 +7282,7 @@
                 <a:effectLst/>
                 <a:latin typeface="Times" panose="02020603050405020304" pitchFamily="18" charset="0"/>
               </a:rPr>
-              <a:t>Output </a:t>
-            </a:r>
-            <a:r>
-              <a:rPr kumimoji="0" lang="en-US" altLang="zh-CN" sz="1100" b="0" i="0" u="none" strike="noStrike" cap="none" normalizeH="0" baseline="0" dirty="0" smtClean="0">
-                <a:ln>
-                  <a:noFill/>
-                </a:ln>
-                <a:solidFill>
-                  <a:schemeClr val="tx1"/>
-                </a:solidFill>
-                <a:effectLst/>
-                <a:latin typeface="Times" panose="02020603050405020304" pitchFamily="18" charset="0"/>
-              </a:rPr>
-              <a:t>Data</a:t>
+              <a:t>Output Data</a:t>
             </a:r>
             <a:endParaRPr kumimoji="0" lang="en-US" sz="1100" b="0" i="0" u="none" strike="noStrike" cap="none" normalizeH="0" baseline="0" dirty="0" smtClean="0">
               <a:ln>
@@ -8035,16 +8360,6 @@
               </a:rPr>
               <a:t>Solve MILP</a:t>
             </a:r>
-            <a:endParaRPr kumimoji="0" lang="en-US" sz="1100" b="0" i="0" u="none" strike="noStrike" cap="none" normalizeH="0" baseline="0" dirty="0" smtClean="0">
-              <a:ln>
-                <a:noFill/>
-              </a:ln>
-              <a:solidFill>
-                <a:schemeClr val="tx1"/>
-              </a:solidFill>
-              <a:effectLst/>
-              <a:latin typeface="Times" panose="02020603050405020304" pitchFamily="18" charset="0"/>
-            </a:endParaRPr>
           </a:p>
         </p:txBody>
       </p:sp>
@@ -8321,20 +8636,7 @@
                 <a:effectLst/>
                 <a:latin typeface="Times" panose="02020603050405020304" pitchFamily="18" charset="0"/>
               </a:rPr>
-              <a:t>utput </a:t>
-            </a:r>
-            <a:r>
-              <a:rPr kumimoji="0" lang="en-US" altLang="zh-CN" sz="1100" b="0" i="0" u="none" strike="noStrike" cap="none" normalizeH="0" baseline="0" dirty="0" smtClean="0">
-                <a:ln>
-                  <a:noFill/>
-                </a:ln>
-                <a:solidFill>
-                  <a:schemeClr val="tx1"/>
-                </a:solidFill>
-                <a:effectLst/>
-                <a:latin typeface="Times" panose="02020603050405020304" pitchFamily="18" charset="0"/>
-              </a:rPr>
-              <a:t>Data</a:t>
+              <a:t>utput Data</a:t>
             </a:r>
             <a:endParaRPr kumimoji="0" lang="en-US" sz="1100" b="0" i="0" u="none" strike="noStrike" cap="none" normalizeH="0" baseline="0" dirty="0" smtClean="0">
               <a:ln>
@@ -8617,9 +8919,39 @@
           </a:p>
         </p:txBody>
       </p:sp>
+      <p:sp>
+        <p:nvSpPr>
+          <p:cNvPr id="6" name="文本框 5"/>
+          <p:cNvSpPr txBox="1"/>
+          <p:nvPr/>
+        </p:nvSpPr>
+        <p:spPr>
+          <a:xfrm>
+            <a:off x="1074799" y="661115"/>
+            <a:ext cx="3755623" cy="461665"/>
+          </a:xfrm>
+          <a:prstGeom prst="rect">
+            <a:avLst/>
+          </a:prstGeom>
+          <a:noFill/>
+        </p:spPr>
+        <p:txBody>
+          <a:bodyPr wrap="square" rtlCol="0">
+            <a:spAutoFit/>
+          </a:bodyPr>
+          <a:lstStyle/>
+          <a:p>
+            <a:r>
+              <a:rPr lang="en-US" dirty="0" smtClean="0"/>
+              <a:t>LP Solution</a:t>
+            </a:r>
+            <a:endParaRPr lang="en-US" dirty="0"/>
+          </a:p>
+        </p:txBody>
+      </p:sp>
       <p:pic>
         <p:nvPicPr>
-          <p:cNvPr id="4" name="图片 3"/>
+          <p:cNvPr id="8" name="图片 7"/>
           <p:cNvPicPr>
             <a:picLocks noChangeAspect="1"/>
           </p:cNvPicPr>
@@ -8633,47 +8965,17 @@
         </p:blipFill>
         <p:spPr>
           <a:xfrm>
-            <a:off x="539552" y="1434315"/>
-            <a:ext cx="3960440" cy="3807274"/>
+            <a:off x="7924228" y="1154361"/>
+            <a:ext cx="1257300" cy="2619375"/>
           </a:xfrm>
           <a:prstGeom prst="rect">
             <a:avLst/>
           </a:prstGeom>
         </p:spPr>
       </p:pic>
-      <p:sp>
-        <p:nvSpPr>
-          <p:cNvPr id="6" name="文本框 5"/>
-          <p:cNvSpPr txBox="1"/>
-          <p:nvPr/>
-        </p:nvSpPr>
-        <p:spPr>
-          <a:xfrm>
-            <a:off x="1074799" y="661115"/>
-            <a:ext cx="3755623" cy="461665"/>
-          </a:xfrm>
-          <a:prstGeom prst="rect">
-            <a:avLst/>
-          </a:prstGeom>
-          <a:noFill/>
-        </p:spPr>
-        <p:txBody>
-          <a:bodyPr wrap="square" rtlCol="0">
-            <a:spAutoFit/>
-          </a:bodyPr>
-          <a:lstStyle/>
-          <a:p>
-            <a:r>
-              <a:rPr lang="en-US" dirty="0" smtClean="0"/>
-              <a:t>LP Solution</a:t>
-            </a:r>
-            <a:endParaRPr lang="en-US" dirty="0"/>
-          </a:p>
-        </p:txBody>
-      </p:sp>
       <p:pic>
         <p:nvPicPr>
-          <p:cNvPr id="2" name="图片 1"/>
+          <p:cNvPr id="9" name="图片 8"/>
           <p:cNvPicPr>
             <a:picLocks noChangeAspect="1"/>
           </p:cNvPicPr>
@@ -8687,8 +8989,8 @@
         </p:blipFill>
         <p:spPr>
           <a:xfrm>
-            <a:off x="4164163" y="1429263"/>
-            <a:ext cx="4080245" cy="3735224"/>
+            <a:off x="584224" y="1424747"/>
+            <a:ext cx="3708446" cy="3633182"/>
           </a:xfrm>
           <a:prstGeom prst="rect">
             <a:avLst/>
@@ -8697,7 +8999,7 @@
       </p:pic>
       <p:pic>
         <p:nvPicPr>
-          <p:cNvPr id="8" name="图片 7"/>
+          <p:cNvPr id="5" name="图片 4"/>
           <p:cNvPicPr>
             <a:picLocks noChangeAspect="1"/>
           </p:cNvPicPr>
@@ -8711,8 +9013,8 @@
         </p:blipFill>
         <p:spPr>
           <a:xfrm>
-            <a:off x="7924228" y="1154361"/>
-            <a:ext cx="1257300" cy="2619375"/>
+            <a:off x="4271892" y="1311712"/>
+            <a:ext cx="3652336" cy="3789208"/>
           </a:xfrm>
           <a:prstGeom prst="rect">
             <a:avLst/>
@@ -8782,7 +9084,6 @@
               <a:rPr lang="en-US" dirty="0" smtClean="0"/>
               <a:t>Method3</a:t>
             </a:r>
-            <a:endParaRPr lang="en-US" dirty="0" smtClean="0"/>
           </a:p>
           <a:p>
             <a:r>
@@ -8827,11 +9128,7 @@
           <a:p>
             <a:r>
               <a:rPr lang="en-US" altLang="zh-CN" dirty="0" smtClean="0"/>
-              <a:t>1</a:t>
-            </a:r>
-            <a:r>
-              <a:rPr lang="en-US" altLang="zh-CN" dirty="0" smtClean="0"/>
-              <a:t> </a:t>
+              <a:t>1 </a:t>
             </a:r>
             <a:r>
               <a:rPr lang="en-US" dirty="0" smtClean="0"/>
@@ -8850,7 +9147,7 @@
         <p:spPr>
           <a:xfrm>
             <a:off x="1219750" y="5210566"/>
-            <a:ext cx="6880642" cy="830997"/>
+            <a:ext cx="6880642" cy="461665"/>
           </a:xfrm>
           <a:prstGeom prst="rect">
             <a:avLst/>
@@ -8865,13 +9162,11 @@
           <a:p>
             <a:r>
               <a:rPr lang="en-US" dirty="0" smtClean="0"/>
-              <a:t>Similar solution in 1 iteration.</a:t>
-            </a:r>
-          </a:p>
-          <a:p>
+              <a:t>Method </a:t>
+            </a:r>
             <a:r>
               <a:rPr lang="en-US" dirty="0" smtClean="0"/>
-              <a:t>Method 2 and 3 takes more time than method 4 does.</a:t>
+              <a:t>2 and 3 takes more time than method 4 does.</a:t>
             </a:r>
             <a:endParaRPr lang="en-US" dirty="0"/>
           </a:p>
@@ -8879,7 +9174,7 @@
       </p:sp>
       <p:pic>
         <p:nvPicPr>
-          <p:cNvPr id="11" name="图片 10"/>
+          <p:cNvPr id="12" name="图片 11"/>
           <p:cNvPicPr>
             <a:picLocks noChangeAspect="1"/>
           </p:cNvPicPr>
@@ -8893,8 +9188,8 @@
         </p:blipFill>
         <p:spPr>
           <a:xfrm>
-            <a:off x="4560652" y="1764723"/>
-            <a:ext cx="3671345" cy="3442320"/>
+            <a:off x="9612560" y="2159012"/>
+            <a:ext cx="1276350" cy="2895600"/>
           </a:xfrm>
           <a:prstGeom prst="rect">
             <a:avLst/>
@@ -8903,7 +9198,7 @@
       </p:pic>
       <p:pic>
         <p:nvPicPr>
-          <p:cNvPr id="12" name="图片 11"/>
+          <p:cNvPr id="13" name="图片 12"/>
           <p:cNvPicPr>
             <a:picLocks noChangeAspect="1"/>
           </p:cNvPicPr>
@@ -8917,8 +9212,8 @@
         </p:blipFill>
         <p:spPr>
           <a:xfrm>
-            <a:off x="8151092" y="1151463"/>
-            <a:ext cx="1276350" cy="2895600"/>
+            <a:off x="168958" y="1186349"/>
+            <a:ext cx="1085850" cy="3257550"/>
           </a:xfrm>
           <a:prstGeom prst="rect">
             <a:avLst/>
@@ -8927,7 +9222,7 @@
       </p:pic>
       <p:pic>
         <p:nvPicPr>
-          <p:cNvPr id="13" name="图片 12"/>
+          <p:cNvPr id="3" name="图片 2"/>
           <p:cNvPicPr>
             <a:picLocks noChangeAspect="1"/>
           </p:cNvPicPr>
@@ -8941,8 +9236,8 @@
         </p:blipFill>
         <p:spPr>
           <a:xfrm>
-            <a:off x="168958" y="1186349"/>
-            <a:ext cx="1085850" cy="3257550"/>
+            <a:off x="4498998" y="1601848"/>
+            <a:ext cx="3601394" cy="3672288"/>
           </a:xfrm>
           <a:prstGeom prst="rect">
             <a:avLst/>
@@ -8951,7 +9246,7 @@
       </p:pic>
       <p:pic>
         <p:nvPicPr>
-          <p:cNvPr id="14" name="图片 13"/>
+          <p:cNvPr id="5" name="图片 4"/>
           <p:cNvPicPr>
             <a:picLocks noChangeAspect="1"/>
           </p:cNvPicPr>
@@ -8965,8 +9260,32 @@
         </p:blipFill>
         <p:spPr>
           <a:xfrm>
-            <a:off x="1015799" y="1725605"/>
-            <a:ext cx="3483199" cy="3483199"/>
+            <a:off x="8100392" y="2132856"/>
+            <a:ext cx="1390650" cy="5000625"/>
+          </a:xfrm>
+          <a:prstGeom prst="rect">
+            <a:avLst/>
+          </a:prstGeom>
+        </p:spPr>
+      </p:pic>
+      <p:pic>
+        <p:nvPicPr>
+          <p:cNvPr id="6" name="图片 5"/>
+          <p:cNvPicPr>
+            <a:picLocks noChangeAspect="1"/>
+          </p:cNvPicPr>
+          <p:nvPr/>
+        </p:nvPicPr>
+        <p:blipFill>
+          <a:blip r:embed="rId6"/>
+          <a:stretch>
+            <a:fillRect/>
+          </a:stretch>
+        </p:blipFill>
+        <p:spPr>
+          <a:xfrm>
+            <a:off x="631144" y="1562770"/>
+            <a:ext cx="3721426" cy="3750443"/>
           </a:xfrm>
           <a:prstGeom prst="rect">
             <a:avLst/>
@@ -9010,41 +9329,9 @@
           <a:chExt cx="0" cy="0"/>
         </a:xfrm>
       </p:grpSpPr>
-      <p:sp>
-        <p:nvSpPr>
-          <p:cNvPr id="6" name="文本框 5"/>
-          <p:cNvSpPr txBox="1"/>
-          <p:nvPr/>
-        </p:nvSpPr>
-        <p:spPr>
-          <a:xfrm>
-            <a:off x="1115616" y="620688"/>
-            <a:ext cx="5104259" cy="1200329"/>
-          </a:xfrm>
-          <a:prstGeom prst="rect">
-            <a:avLst/>
-          </a:prstGeom>
-          <a:noFill/>
-        </p:spPr>
-        <p:txBody>
-          <a:bodyPr wrap="square" rtlCol="0">
-            <a:spAutoFit/>
-          </a:bodyPr>
-          <a:lstStyle/>
-          <a:p>
-            <a:r>
-              <a:rPr lang="en-US" dirty="0" smtClean="0"/>
-              <a:t>Page in AIMMS to compare # of outliers in different methods</a:t>
-            </a:r>
-          </a:p>
-          <a:p>
-            <a:endParaRPr lang="en-US" dirty="0"/>
-          </a:p>
-        </p:txBody>
-      </p:sp>
       <p:pic>
         <p:nvPicPr>
-          <p:cNvPr id="8" name="图片 7"/>
+          <p:cNvPr id="9" name="图片 8"/>
           <p:cNvPicPr>
             <a:picLocks noChangeAspect="1"/>
           </p:cNvPicPr>
@@ -9058,17 +9345,98 @@
         </p:blipFill>
         <p:spPr>
           <a:xfrm>
-            <a:off x="774985" y="1926927"/>
-            <a:ext cx="5438775" cy="3362325"/>
+            <a:off x="154670" y="1108194"/>
+            <a:ext cx="1114425" cy="2790825"/>
           </a:xfrm>
           <a:prstGeom prst="rect">
             <a:avLst/>
           </a:prstGeom>
         </p:spPr>
       </p:pic>
+      <p:sp>
+        <p:nvSpPr>
+          <p:cNvPr id="4" name="文本框 3"/>
+          <p:cNvSpPr txBox="1"/>
+          <p:nvPr/>
+        </p:nvSpPr>
+        <p:spPr>
+          <a:xfrm>
+            <a:off x="5148064" y="692696"/>
+            <a:ext cx="3755623" cy="830997"/>
+          </a:xfrm>
+          <a:prstGeom prst="rect">
+            <a:avLst/>
+          </a:prstGeom>
+          <a:noFill/>
+        </p:spPr>
+        <p:txBody>
+          <a:bodyPr wrap="square" rtlCol="0">
+            <a:spAutoFit/>
+          </a:bodyPr>
+          <a:lstStyle/>
+          <a:p>
+            <a:r>
+              <a:rPr lang="en-US" dirty="0" smtClean="0"/>
+              <a:t>Method3</a:t>
+            </a:r>
+          </a:p>
+          <a:p>
+            <a:r>
+              <a:rPr lang="en-US" dirty="0" smtClean="0"/>
+              <a:t>2 iterations</a:t>
+            </a:r>
+            <a:endParaRPr lang="en-US" dirty="0" smtClean="0"/>
+          </a:p>
+        </p:txBody>
+      </p:sp>
+      <p:sp>
+        <p:nvSpPr>
+          <p:cNvPr id="7" name="文本框 6"/>
+          <p:cNvSpPr txBox="1"/>
+          <p:nvPr/>
+        </p:nvSpPr>
+        <p:spPr>
+          <a:xfrm>
+            <a:off x="1547664" y="770851"/>
+            <a:ext cx="3755623" cy="830997"/>
+          </a:xfrm>
+          <a:prstGeom prst="rect">
+            <a:avLst/>
+          </a:prstGeom>
+          <a:noFill/>
+        </p:spPr>
+        <p:txBody>
+          <a:bodyPr wrap="square" rtlCol="0">
+            <a:spAutoFit/>
+          </a:bodyPr>
+          <a:lstStyle/>
+          <a:p>
+            <a:r>
+              <a:rPr lang="en-US" dirty="0"/>
+              <a:t>Method </a:t>
+            </a:r>
+            <a:r>
+              <a:rPr lang="en-US" dirty="0" smtClean="0"/>
+              <a:t>2</a:t>
+            </a:r>
+            <a:endParaRPr lang="en-US" altLang="zh-CN" dirty="0" smtClean="0"/>
+          </a:p>
+          <a:p>
+            <a:r>
+              <a:rPr lang="en-US" altLang="zh-CN" dirty="0" smtClean="0"/>
+              <a:t>2 </a:t>
+            </a:r>
+            <a:r>
+              <a:rPr lang="en-US" dirty="0" smtClean="0"/>
+              <a:t>iterations </a:t>
+            </a:r>
+            <a:endParaRPr lang="en-US" dirty="0"/>
+          </a:p>
+        </p:txBody>
+      </p:sp>
       <p:pic>
         <p:nvPicPr>
-          <p:cNvPr id="9" name="图片 8"/>
+          <p:cNvPr id="12" name="图片 11"/>
           <p:cNvPicPr>
             <a:picLocks noChangeAspect="1"/>
           </p:cNvPicPr>
@@ -9082,60 +9450,90 @@
         </p:blipFill>
         <p:spPr>
           <a:xfrm>
-            <a:off x="6732240" y="3198514"/>
-            <a:ext cx="1285875" cy="819150"/>
+            <a:off x="8055282" y="-12389"/>
+            <a:ext cx="1276350" cy="2895600"/>
           </a:xfrm>
           <a:prstGeom prst="rect">
             <a:avLst/>
           </a:prstGeom>
         </p:spPr>
       </p:pic>
-      <p:sp>
-        <p:nvSpPr>
-          <p:cNvPr id="11" name="文本框 10"/>
-          <p:cNvSpPr txBox="1"/>
-          <p:nvPr/>
-        </p:nvSpPr>
+      <p:pic>
+        <p:nvPicPr>
+          <p:cNvPr id="5" name="图片 4"/>
+          <p:cNvPicPr>
+            <a:picLocks noChangeAspect="1"/>
+          </p:cNvPicPr>
+          <p:nvPr/>
+        </p:nvPicPr>
+        <p:blipFill>
+          <a:blip r:embed="rId4"/>
+          <a:stretch>
+            <a:fillRect/>
+          </a:stretch>
+        </p:blipFill>
         <p:spPr>
           <a:xfrm>
-            <a:off x="827584" y="5445224"/>
-            <a:ext cx="6480720" cy="461665"/>
+            <a:off x="8069733" y="2986574"/>
+            <a:ext cx="1400175" cy="2914650"/>
           </a:xfrm>
           <a:prstGeom prst="rect">
             <a:avLst/>
           </a:prstGeom>
-          <a:noFill/>
-        </p:spPr>
-        <p:txBody>
-          <a:bodyPr wrap="square" rtlCol="0">
-            <a:spAutoFit/>
-          </a:bodyPr>
-          <a:lstStyle/>
-          <a:p>
-            <a:r>
-              <a:rPr lang="en-US" dirty="0"/>
-              <a:t>1</a:t>
-            </a:r>
-            <a:r>
-              <a:rPr lang="en-US" dirty="0" smtClean="0"/>
-              <a:t> Iteration </a:t>
-            </a:r>
-            <a:r>
-              <a:rPr lang="en-US" dirty="0"/>
-              <a:t>with Epsilon / MAX </a:t>
-            </a:r>
-            <a:r>
-              <a:rPr lang="en-US" dirty="0" smtClean="0"/>
-              <a:t>Epsilon=0.5</a:t>
-            </a:r>
-            <a:endParaRPr lang="en-US" dirty="0"/>
-          </a:p>
-        </p:txBody>
-      </p:sp>
+        </p:spPr>
+      </p:pic>
+      <p:pic>
+        <p:nvPicPr>
+          <p:cNvPr id="6" name="图片 5"/>
+          <p:cNvPicPr>
+            <a:picLocks noChangeAspect="1"/>
+          </p:cNvPicPr>
+          <p:nvPr/>
+        </p:nvPicPr>
+        <p:blipFill>
+          <a:blip r:embed="rId5"/>
+          <a:stretch>
+            <a:fillRect/>
+          </a:stretch>
+        </p:blipFill>
+        <p:spPr>
+          <a:xfrm>
+            <a:off x="4411643" y="1617199"/>
+            <a:ext cx="3635723" cy="3700009"/>
+          </a:xfrm>
+          <a:prstGeom prst="rect">
+            <a:avLst/>
+          </a:prstGeom>
+        </p:spPr>
+      </p:pic>
+      <p:pic>
+        <p:nvPicPr>
+          <p:cNvPr id="8" name="图片 7"/>
+          <p:cNvPicPr>
+            <a:picLocks noChangeAspect="1"/>
+          </p:cNvPicPr>
+          <p:nvPr/>
+        </p:nvPicPr>
+        <p:blipFill>
+          <a:blip r:embed="rId6"/>
+          <a:stretch>
+            <a:fillRect/>
+          </a:stretch>
+        </p:blipFill>
+        <p:spPr>
+          <a:xfrm>
+            <a:off x="711883" y="1583998"/>
+            <a:ext cx="3576240" cy="3611370"/>
+          </a:xfrm>
+          <a:prstGeom prst="rect">
+            <a:avLst/>
+          </a:prstGeom>
+        </p:spPr>
+      </p:pic>
     </p:spTree>
     <p:extLst>
       <p:ext uri="{BB962C8B-B14F-4D97-AF65-F5344CB8AC3E}">
-        <p14:creationId xmlns:p14="http://schemas.microsoft.com/office/powerpoint/2010/main" val="2739249099"/>
+        <p14:creationId xmlns:p14="http://schemas.microsoft.com/office/powerpoint/2010/main" val="2930108853"/>
       </p:ext>
     </p:extLst>
   </p:cSld>
